--- a/Yu Feng CRC-fungi-Re1 (JY)/S_fig3-Re1 (JY)-Re (YF).pptx
+++ b/Yu Feng CRC-fungi-Re1 (JY)/S_fig3-Re1 (JY)-Re (YF).pptx
@@ -209,7 +209,7 @@
           <a:p>
             <a:fld id="{AA548A79-DF5C-42BC-A964-9ADB8699366B}" type="datetimeFigureOut">
               <a:rPr lang="zh-CN" altLang="en-US" smtClean="0"/>
-              <a:t>2021/10/26</a:t>
+              <a:t>2021/11/2</a:t>
             </a:fld>
             <a:endParaRPr lang="zh-CN" altLang="en-US"/>
           </a:p>
@@ -710,7 +710,7 @@
           <a:p>
             <a:fld id="{C21F6666-3EDE-4E8B-BC82-F371B9B084D1}" type="datetimeFigureOut">
               <a:rPr lang="zh-CN" altLang="en-US" smtClean="0"/>
-              <a:t>2021/10/26</a:t>
+              <a:t>2021/11/2</a:t>
             </a:fld>
             <a:endParaRPr lang="zh-CN" altLang="en-US"/>
           </a:p>
@@ -910,7 +910,7 @@
           <a:p>
             <a:fld id="{C21F6666-3EDE-4E8B-BC82-F371B9B084D1}" type="datetimeFigureOut">
               <a:rPr lang="zh-CN" altLang="en-US" smtClean="0"/>
-              <a:t>2021/10/26</a:t>
+              <a:t>2021/11/2</a:t>
             </a:fld>
             <a:endParaRPr lang="zh-CN" altLang="en-US"/>
           </a:p>
@@ -1120,7 +1120,7 @@
           <a:p>
             <a:fld id="{C21F6666-3EDE-4E8B-BC82-F371B9B084D1}" type="datetimeFigureOut">
               <a:rPr lang="zh-CN" altLang="en-US" smtClean="0"/>
-              <a:t>2021/10/26</a:t>
+              <a:t>2021/11/2</a:t>
             </a:fld>
             <a:endParaRPr lang="zh-CN" altLang="en-US"/>
           </a:p>
@@ -1320,7 +1320,7 @@
           <a:p>
             <a:fld id="{C21F6666-3EDE-4E8B-BC82-F371B9B084D1}" type="datetimeFigureOut">
               <a:rPr lang="zh-CN" altLang="en-US" smtClean="0"/>
-              <a:t>2021/10/26</a:t>
+              <a:t>2021/11/2</a:t>
             </a:fld>
             <a:endParaRPr lang="zh-CN" altLang="en-US"/>
           </a:p>
@@ -1596,7 +1596,7 @@
           <a:p>
             <a:fld id="{C21F6666-3EDE-4E8B-BC82-F371B9B084D1}" type="datetimeFigureOut">
               <a:rPr lang="zh-CN" altLang="en-US" smtClean="0"/>
-              <a:t>2021/10/26</a:t>
+              <a:t>2021/11/2</a:t>
             </a:fld>
             <a:endParaRPr lang="zh-CN" altLang="en-US"/>
           </a:p>
@@ -1864,7 +1864,7 @@
           <a:p>
             <a:fld id="{C21F6666-3EDE-4E8B-BC82-F371B9B084D1}" type="datetimeFigureOut">
               <a:rPr lang="zh-CN" altLang="en-US" smtClean="0"/>
-              <a:t>2021/10/26</a:t>
+              <a:t>2021/11/2</a:t>
             </a:fld>
             <a:endParaRPr lang="zh-CN" altLang="en-US"/>
           </a:p>
@@ -2279,7 +2279,7 @@
           <a:p>
             <a:fld id="{C21F6666-3EDE-4E8B-BC82-F371B9B084D1}" type="datetimeFigureOut">
               <a:rPr lang="zh-CN" altLang="en-US" smtClean="0"/>
-              <a:t>2021/10/26</a:t>
+              <a:t>2021/11/2</a:t>
             </a:fld>
             <a:endParaRPr lang="zh-CN" altLang="en-US"/>
           </a:p>
@@ -2421,7 +2421,7 @@
           <a:p>
             <a:fld id="{C21F6666-3EDE-4E8B-BC82-F371B9B084D1}" type="datetimeFigureOut">
               <a:rPr lang="zh-CN" altLang="en-US" smtClean="0"/>
-              <a:t>2021/10/26</a:t>
+              <a:t>2021/11/2</a:t>
             </a:fld>
             <a:endParaRPr lang="zh-CN" altLang="en-US"/>
           </a:p>
@@ -2534,7 +2534,7 @@
           <a:p>
             <a:fld id="{C21F6666-3EDE-4E8B-BC82-F371B9B084D1}" type="datetimeFigureOut">
               <a:rPr lang="zh-CN" altLang="en-US" smtClean="0"/>
-              <a:t>2021/10/26</a:t>
+              <a:t>2021/11/2</a:t>
             </a:fld>
             <a:endParaRPr lang="zh-CN" altLang="en-US"/>
           </a:p>
@@ -2847,7 +2847,7 @@
           <a:p>
             <a:fld id="{C21F6666-3EDE-4E8B-BC82-F371B9B084D1}" type="datetimeFigureOut">
               <a:rPr lang="zh-CN" altLang="en-US" smtClean="0"/>
-              <a:t>2021/10/26</a:t>
+              <a:t>2021/11/2</a:t>
             </a:fld>
             <a:endParaRPr lang="zh-CN" altLang="en-US"/>
           </a:p>
@@ -3136,7 +3136,7 @@
           <a:p>
             <a:fld id="{C21F6666-3EDE-4E8B-BC82-F371B9B084D1}" type="datetimeFigureOut">
               <a:rPr lang="zh-CN" altLang="en-US" smtClean="0"/>
-              <a:t>2021/10/26</a:t>
+              <a:t>2021/11/2</a:t>
             </a:fld>
             <a:endParaRPr lang="zh-CN" altLang="en-US"/>
           </a:p>
@@ -3379,7 +3379,7 @@
           <a:p>
             <a:fld id="{C21F6666-3EDE-4E8B-BC82-F371B9B084D1}" type="datetimeFigureOut">
               <a:rPr lang="zh-CN" altLang="en-US" smtClean="0"/>
-              <a:t>2021/10/26</a:t>
+              <a:t>2021/11/2</a:t>
             </a:fld>
             <a:endParaRPr lang="zh-CN" altLang="en-US"/>
           </a:p>
@@ -3810,10 +3810,10 @@
         </p:nvGrpSpPr>
         <p:grpSpPr>
           <a:xfrm>
-            <a:off x="114302" y="349737"/>
-            <a:ext cx="4259422" cy="4128532"/>
-            <a:chOff x="-239872" y="104775"/>
-            <a:chExt cx="4259422" cy="4128532"/>
+            <a:off x="169398" y="349737"/>
+            <a:ext cx="4204326" cy="4128532"/>
+            <a:chOff x="-184776" y="104775"/>
+            <a:chExt cx="4204326" cy="4128532"/>
           </a:xfrm>
         </p:grpSpPr>
         <p:pic>
@@ -3922,7 +3922,7 @@
           </p:nvSpPr>
           <p:spPr>
             <a:xfrm>
-              <a:off x="-239872" y="549036"/>
+              <a:off x="-184776" y="1160577"/>
               <a:ext cx="461665" cy="1603614"/>
             </a:xfrm>
             <a:prstGeom prst="rect">
@@ -5052,8 +5052,8 @@
         </p:nvSpPr>
         <p:spPr>
           <a:xfrm>
-            <a:off x="253683" y="5052060"/>
-            <a:ext cx="11450637" cy="338554"/>
+            <a:off x="231011" y="4604603"/>
+            <a:ext cx="11450637" cy="1569660"/>
           </a:xfrm>
           <a:prstGeom prst="rect">
             <a:avLst/>
@@ -5067,10 +5067,76 @@
           <a:lstStyle/>
           <a:p>
             <a:r>
-              <a:rPr lang="en-US" sz="1600" b="1" dirty="0"/>
-              <a:t>S figure 3</a:t>
-            </a:r>
-            <a:endParaRPr lang="en-HK" sz="1600" b="1" dirty="0"/>
+              <a:rPr lang="en-US" sz="1600" b="1" dirty="0">
+                <a:latin typeface="Calibri" panose="020F0502020204030204" pitchFamily="34" charset="0"/>
+                <a:cs typeface="Calibri" panose="020F0502020204030204" pitchFamily="34" charset="0"/>
+              </a:rPr>
+              <a:t>S figure 3. </a:t>
+            </a:r>
+            <a:r>
+              <a:rPr lang="en-US" altLang="zh-CN" sz="1600" b="1" dirty="0">
+                <a:effectLst/>
+                <a:latin typeface="Calibri" panose="020F0502020204030204" pitchFamily="34" charset="0"/>
+                <a:cs typeface="Calibri" panose="020F0502020204030204" pitchFamily="34" charset="0"/>
+              </a:rPr>
+              <a:t>Significant Different fungi in CRC compared with adenoma. (a) </a:t>
+            </a:r>
+            <a:r>
+              <a:rPr lang="en-US" altLang="zh-CN" sz="1600" dirty="0">
+                <a:effectLst/>
+                <a:latin typeface="Calibri" panose="020F0502020204030204" pitchFamily="34" charset="0"/>
+                <a:cs typeface="Calibri" panose="020F0502020204030204" pitchFamily="34" charset="0"/>
+              </a:rPr>
+              <a:t>Volcano plot explored the extremely different fungi in CRC compared with adenoma. The log</a:t>
+            </a:r>
+            <a:r>
+              <a:rPr lang="en-US" altLang="zh-CN" sz="1600" baseline="-25000" dirty="0">
+                <a:effectLst/>
+                <a:latin typeface="Calibri" panose="020F0502020204030204" pitchFamily="34" charset="0"/>
+                <a:cs typeface="Calibri" panose="020F0502020204030204" pitchFamily="34" charset="0"/>
+              </a:rPr>
+              <a:t>2 </a:t>
+            </a:r>
+            <a:r>
+              <a:rPr lang="en-US" altLang="zh-CN" sz="1600" dirty="0">
+                <a:effectLst/>
+                <a:latin typeface="Calibri" panose="020F0502020204030204" pitchFamily="34" charset="0"/>
+                <a:cs typeface="Calibri" panose="020F0502020204030204" pitchFamily="34" charset="0"/>
+              </a:rPr>
+              <a:t>FC indicates the mean expression level of each fungi. Each dot represents one fungus. The blue and red dots represent CRC down- and up-regulated species, respectively. Between the CRC group and adenoma, the green and gray dots show significant fungus and no significant difference alternatives, respectively.</a:t>
+            </a:r>
+            <a:r>
+              <a:rPr lang="en-US" altLang="zh-CN" sz="1600" b="1" dirty="0">
+                <a:effectLst/>
+                <a:latin typeface="Calibri" panose="020F0502020204030204" pitchFamily="34" charset="0"/>
+                <a:cs typeface="Calibri" panose="020F0502020204030204" pitchFamily="34" charset="0"/>
+              </a:rPr>
+              <a:t> (b) </a:t>
+            </a:r>
+            <a:r>
+              <a:rPr lang="en-US" altLang="zh-CN" sz="1600" kern="100" dirty="0">
+                <a:effectLst/>
+                <a:latin typeface="Calibri" panose="020F0502020204030204" pitchFamily="34" charset="0"/>
+                <a:ea typeface="Times New Roman" panose="02020603050405020304" pitchFamily="18" charset="0"/>
+                <a:cs typeface="Calibri" panose="020F0502020204030204" pitchFamily="34" charset="0"/>
+              </a:rPr>
+              <a:t>Violin graph for the seven outstanding performance fungi. The adenoma and CRC groups are shown by yellow and red colors, respectively.</a:t>
+            </a:r>
+            <a:endParaRPr lang="zh-CN" altLang="zh-CN" sz="1600" kern="100" dirty="0">
+              <a:effectLst/>
+              <a:latin typeface="Calibri" panose="020F0502020204030204" pitchFamily="34" charset="0"/>
+              <a:ea typeface="Times New Roman" panose="02020603050405020304" pitchFamily="18" charset="0"/>
+              <a:cs typeface="Calibri" panose="020F0502020204030204" pitchFamily="34" charset="0"/>
+            </a:endParaRPr>
+          </a:p>
+          <a:p>
+            <a:endParaRPr lang="en-HK" sz="1600" b="1" dirty="0">
+              <a:highlight>
+                <a:srgbClr val="FFFF00"/>
+              </a:highlight>
+              <a:latin typeface="Calibri" panose="020F0502020204030204" pitchFamily="34" charset="0"/>
+              <a:cs typeface="Calibri" panose="020F0502020204030204" pitchFamily="34" charset="0"/>
+            </a:endParaRPr>
           </a:p>
         </p:txBody>
       </p:sp>
